--- a/docs/fishear_schema.pptx
+++ b/docs/fishear_schema.pptx
@@ -3097,6 +3097,165 @@
       </p:grpSpPr>
       <p:sp>
         <p:nvSpPr>
+          <p:cNvPr id="2" name="Obdélník 1"/>
+          <p:cNvSpPr/>
+          <p:nvPr/>
+        </p:nvSpPr>
+        <p:spPr>
+          <a:xfrm>
+            <a:off x="5866184" y="1143001"/>
+            <a:ext cx="1215752" cy="617219"/>
+          </a:xfrm>
+          <a:prstGeom prst="rect">
+            <a:avLst/>
+          </a:prstGeom>
+          <a:noFill/>
+          <a:ln w="3175"/>
+        </p:spPr>
+        <p:style>
+          <a:lnRef idx="2">
+            <a:schemeClr val="accent1">
+              <a:shade val="50000"/>
+            </a:schemeClr>
+          </a:lnRef>
+          <a:fillRef idx="1">
+            <a:schemeClr val="accent1"/>
+          </a:fillRef>
+          <a:effectRef idx="0">
+            <a:schemeClr val="accent1"/>
+          </a:effectRef>
+          <a:fontRef idx="minor">
+            <a:schemeClr val="lt1"/>
+          </a:fontRef>
+        </p:style>
+        <p:txBody>
+          <a:bodyPr tIns="18000" bIns="36000" rtlCol="0" anchor="t"/>
+          <a:lstStyle/>
+          <a:p>
+            <a:r>
+              <a:rPr lang="cs-CZ" sz="1000" dirty="0" smtClean="0">
+                <a:solidFill>
+                  <a:schemeClr val="tx1"/>
+                </a:solidFill>
+              </a:rPr>
+              <a:t>Legend:</a:t>
+            </a:r>
+            <a:endParaRPr lang="cs-CZ" sz="1000" dirty="0">
+              <a:solidFill>
+                <a:schemeClr val="tx1"/>
+              </a:solidFill>
+            </a:endParaRPr>
+          </a:p>
+        </p:txBody>
+      </p:sp>
+      <p:sp>
+        <p:nvSpPr>
+          <p:cNvPr id="59" name="Zaoblený obdélník 58"/>
+          <p:cNvSpPr/>
+          <p:nvPr/>
+        </p:nvSpPr>
+        <p:spPr>
+          <a:xfrm>
+            <a:off x="5947022" y="1340768"/>
+            <a:ext cx="1085455" cy="172951"/>
+          </a:xfrm>
+          <a:prstGeom prst="roundRect">
+            <a:avLst/>
+          </a:prstGeom>
+          <a:solidFill>
+            <a:schemeClr val="accent6">
+              <a:lumMod val="20000"/>
+              <a:lumOff val="80000"/>
+              <a:alpha val="50000"/>
+            </a:schemeClr>
+          </a:solidFill>
+          <a:ln w="6350">
+            <a:solidFill>
+              <a:schemeClr val="accent6">
+                <a:lumMod val="40000"/>
+                <a:lumOff val="60000"/>
+              </a:schemeClr>
+            </a:solidFill>
+          </a:ln>
+        </p:spPr>
+        <p:style>
+          <a:lnRef idx="2">
+            <a:schemeClr val="accent1">
+              <a:shade val="50000"/>
+            </a:schemeClr>
+          </a:lnRef>
+          <a:fillRef idx="1">
+            <a:schemeClr val="accent1"/>
+          </a:fillRef>
+          <a:effectRef idx="0">
+            <a:schemeClr val="accent1"/>
+          </a:effectRef>
+          <a:fontRef idx="minor">
+            <a:schemeClr val="lt1"/>
+          </a:fontRef>
+        </p:style>
+        <p:txBody>
+          <a:bodyPr lIns="0" tIns="0" rIns="0" bIns="0" rtlCol="0" anchor="ctr"/>
+          <a:lstStyle/>
+          <a:p>
+            <a:pPr algn="ctr"/>
+            <a:r>
+              <a:rPr lang="cs-CZ" sz="900" dirty="0" smtClean="0">
+                <a:solidFill>
+                  <a:schemeClr val="tx1">
+                    <a:lumMod val="85000"/>
+                    <a:lumOff val="15000"/>
+                  </a:schemeClr>
+                </a:solidFill>
+              </a:rPr>
+              <a:t>Not </a:t>
+            </a:r>
+            <a:r>
+              <a:rPr lang="cs-CZ" sz="900" dirty="0" err="1" smtClean="0">
+                <a:solidFill>
+                  <a:schemeClr val="tx1">
+                    <a:lumMod val="85000"/>
+                    <a:lumOff val="15000"/>
+                  </a:schemeClr>
+                </a:solidFill>
+              </a:rPr>
+              <a:t>implemented</a:t>
+            </a:r>
+            <a:r>
+              <a:rPr lang="cs-CZ" sz="900" dirty="0" smtClean="0">
+                <a:solidFill>
+                  <a:schemeClr val="tx1">
+                    <a:lumMod val="85000"/>
+                    <a:lumOff val="15000"/>
+                  </a:schemeClr>
+                </a:solidFill>
+              </a:rPr>
+              <a:t> </a:t>
+            </a:r>
+            <a:r>
+              <a:rPr lang="cs-CZ" sz="900" dirty="0" err="1" smtClean="0">
+                <a:solidFill>
+                  <a:schemeClr val="tx1">
+                    <a:lumMod val="85000"/>
+                    <a:lumOff val="15000"/>
+                  </a:schemeClr>
+                </a:solidFill>
+              </a:rPr>
+              <a:t>yet</a:t>
+            </a:r>
+            <a:endParaRPr lang="cs-CZ" sz="900" dirty="0">
+              <a:solidFill>
+                <a:schemeClr val="tx1">
+                  <a:lumMod val="85000"/>
+                  <a:lumOff val="15000"/>
+                </a:schemeClr>
+              </a:solidFill>
+            </a:endParaRPr>
+          </a:p>
+        </p:txBody>
+      </p:sp>
+      <p:sp>
+        <p:nvSpPr>
           <p:cNvPr id="34" name="Zaoblený obdélník 33"/>
           <p:cNvSpPr/>
           <p:nvPr/>
@@ -6908,6 +7067,149 @@
           <a:p>
             <a:pPr algn="ctr"/>
             <a:endParaRPr lang="cs-CZ" sz="1600" b="1" dirty="0">
+              <a:solidFill>
+                <a:schemeClr val="tx1">
+                  <a:lumMod val="85000"/>
+                  <a:lumOff val="15000"/>
+                </a:schemeClr>
+              </a:solidFill>
+            </a:endParaRPr>
+          </a:p>
+        </p:txBody>
+      </p:sp>
+      <p:sp>
+        <p:nvSpPr>
+          <p:cNvPr id="56" name="Obdélník 55"/>
+          <p:cNvSpPr/>
+          <p:nvPr/>
+        </p:nvSpPr>
+        <p:spPr>
+          <a:xfrm>
+            <a:off x="5947022" y="1340768"/>
+            <a:ext cx="1090463" cy="172951"/>
+          </a:xfrm>
+          <a:prstGeom prst="rect">
+            <a:avLst/>
+          </a:prstGeom>
+          <a:solidFill>
+            <a:schemeClr val="bg1">
+              <a:alpha val="50000"/>
+            </a:schemeClr>
+          </a:solidFill>
+          <a:ln w="0">
+            <a:noFill/>
+          </a:ln>
+        </p:spPr>
+        <p:style>
+          <a:lnRef idx="2">
+            <a:schemeClr val="accent1">
+              <a:shade val="50000"/>
+            </a:schemeClr>
+          </a:lnRef>
+          <a:fillRef idx="1">
+            <a:schemeClr val="accent1"/>
+          </a:fillRef>
+          <a:effectRef idx="0">
+            <a:schemeClr val="accent1"/>
+          </a:effectRef>
+          <a:fontRef idx="minor">
+            <a:schemeClr val="lt1"/>
+          </a:fontRef>
+        </p:style>
+        <p:txBody>
+          <a:bodyPr rtlCol="0" anchor="ctr"/>
+          <a:lstStyle/>
+          <a:p>
+            <a:pPr algn="ctr"/>
+            <a:endParaRPr lang="cs-CZ"/>
+          </a:p>
+        </p:txBody>
+      </p:sp>
+      <p:sp>
+        <p:nvSpPr>
+          <p:cNvPr id="61" name="Zaoblený obdélník 60"/>
+          <p:cNvSpPr/>
+          <p:nvPr/>
+        </p:nvSpPr>
+        <p:spPr>
+          <a:xfrm>
+            <a:off x="5947022" y="1549524"/>
+            <a:ext cx="1080516" cy="162471"/>
+          </a:xfrm>
+          <a:prstGeom prst="roundRect">
+            <a:avLst/>
+          </a:prstGeom>
+          <a:solidFill>
+            <a:schemeClr val="accent6">
+              <a:lumMod val="20000"/>
+              <a:lumOff val="80000"/>
+              <a:alpha val="50000"/>
+            </a:schemeClr>
+          </a:solidFill>
+          <a:ln w="6350">
+            <a:solidFill>
+              <a:schemeClr val="accent6">
+                <a:lumMod val="40000"/>
+                <a:lumOff val="60000"/>
+              </a:schemeClr>
+            </a:solidFill>
+          </a:ln>
+        </p:spPr>
+        <p:style>
+          <a:lnRef idx="2">
+            <a:schemeClr val="accent1">
+              <a:shade val="50000"/>
+            </a:schemeClr>
+          </a:lnRef>
+          <a:fillRef idx="1">
+            <a:schemeClr val="accent1"/>
+          </a:fillRef>
+          <a:effectRef idx="0">
+            <a:schemeClr val="accent1"/>
+          </a:effectRef>
+          <a:fontRef idx="minor">
+            <a:schemeClr val="lt1"/>
+          </a:fontRef>
+        </p:style>
+        <p:txBody>
+          <a:bodyPr lIns="0" tIns="0" rIns="0" bIns="0" rtlCol="0" anchor="ctr"/>
+          <a:lstStyle/>
+          <a:p>
+            <a:pPr algn="ctr"/>
+            <a:r>
+              <a:rPr lang="cs-CZ" sz="800" dirty="0" err="1" smtClean="0">
+                <a:solidFill>
+                  <a:schemeClr val="tx1">
+                    <a:lumMod val="85000"/>
+                    <a:lumOff val="15000"/>
+                  </a:schemeClr>
+                </a:solidFill>
+              </a:rPr>
+              <a:t>Already</a:t>
+            </a:r>
+            <a:r>
+              <a:rPr lang="cs-CZ" sz="800" dirty="0" smtClean="0">
+                <a:solidFill>
+                  <a:schemeClr val="tx1">
+                    <a:lumMod val="85000"/>
+                    <a:lumOff val="15000"/>
+                  </a:schemeClr>
+                </a:solidFill>
+              </a:rPr>
+              <a:t> </a:t>
+            </a:r>
+            <a:r>
+              <a:rPr lang="cs-CZ" sz="800" dirty="0" err="1" smtClean="0">
+                <a:solidFill>
+                  <a:schemeClr val="tx1">
+                    <a:lumMod val="85000"/>
+                    <a:lumOff val="15000"/>
+                  </a:schemeClr>
+                </a:solidFill>
+              </a:rPr>
+              <a:t>mplemented</a:t>
+            </a:r>
+            <a:endParaRPr lang="cs-CZ" sz="800" dirty="0">
               <a:solidFill>
                 <a:schemeClr val="tx1">
                   <a:lumMod val="85000"/>

--- a/docs/fishear_schema.pptx
+++ b/docs/fishear_schema.pptx
@@ -288,7 +288,7 @@
           <a:p>
             <a:fld id="{F0B2E04E-690E-46A2-9779-B9EEF6189BC4}" type="datetimeFigureOut">
               <a:rPr lang="cs-CZ" smtClean="0"/>
-              <a:t>6.8.2011</a:t>
+              <a:t>7.8.2011</a:t>
             </a:fld>
             <a:endParaRPr lang="cs-CZ"/>
           </a:p>
@@ -458,7 +458,7 @@
           <a:p>
             <a:fld id="{F0B2E04E-690E-46A2-9779-B9EEF6189BC4}" type="datetimeFigureOut">
               <a:rPr lang="cs-CZ" smtClean="0"/>
-              <a:t>6.8.2011</a:t>
+              <a:t>7.8.2011</a:t>
             </a:fld>
             <a:endParaRPr lang="cs-CZ"/>
           </a:p>
@@ -638,7 +638,7 @@
           <a:p>
             <a:fld id="{F0B2E04E-690E-46A2-9779-B9EEF6189BC4}" type="datetimeFigureOut">
               <a:rPr lang="cs-CZ" smtClean="0"/>
-              <a:t>6.8.2011</a:t>
+              <a:t>7.8.2011</a:t>
             </a:fld>
             <a:endParaRPr lang="cs-CZ"/>
           </a:p>
@@ -808,7 +808,7 @@
           <a:p>
             <a:fld id="{F0B2E04E-690E-46A2-9779-B9EEF6189BC4}" type="datetimeFigureOut">
               <a:rPr lang="cs-CZ" smtClean="0"/>
-              <a:t>6.8.2011</a:t>
+              <a:t>7.8.2011</a:t>
             </a:fld>
             <a:endParaRPr lang="cs-CZ"/>
           </a:p>
@@ -1054,7 +1054,7 @@
           <a:p>
             <a:fld id="{F0B2E04E-690E-46A2-9779-B9EEF6189BC4}" type="datetimeFigureOut">
               <a:rPr lang="cs-CZ" smtClean="0"/>
-              <a:t>6.8.2011</a:t>
+              <a:t>7.8.2011</a:t>
             </a:fld>
             <a:endParaRPr lang="cs-CZ"/>
           </a:p>
@@ -1342,7 +1342,7 @@
           <a:p>
             <a:fld id="{F0B2E04E-690E-46A2-9779-B9EEF6189BC4}" type="datetimeFigureOut">
               <a:rPr lang="cs-CZ" smtClean="0"/>
-              <a:t>6.8.2011</a:t>
+              <a:t>7.8.2011</a:t>
             </a:fld>
             <a:endParaRPr lang="cs-CZ"/>
           </a:p>
@@ -1764,7 +1764,7 @@
           <a:p>
             <a:fld id="{F0B2E04E-690E-46A2-9779-B9EEF6189BC4}" type="datetimeFigureOut">
               <a:rPr lang="cs-CZ" smtClean="0"/>
-              <a:t>6.8.2011</a:t>
+              <a:t>7.8.2011</a:t>
             </a:fld>
             <a:endParaRPr lang="cs-CZ"/>
           </a:p>
@@ -1882,7 +1882,7 @@
           <a:p>
             <a:fld id="{F0B2E04E-690E-46A2-9779-B9EEF6189BC4}" type="datetimeFigureOut">
               <a:rPr lang="cs-CZ" smtClean="0"/>
-              <a:t>6.8.2011</a:t>
+              <a:t>7.8.2011</a:t>
             </a:fld>
             <a:endParaRPr lang="cs-CZ"/>
           </a:p>
@@ -1977,7 +1977,7 @@
           <a:p>
             <a:fld id="{F0B2E04E-690E-46A2-9779-B9EEF6189BC4}" type="datetimeFigureOut">
               <a:rPr lang="cs-CZ" smtClean="0"/>
-              <a:t>6.8.2011</a:t>
+              <a:t>7.8.2011</a:t>
             </a:fld>
             <a:endParaRPr lang="cs-CZ"/>
           </a:p>
@@ -2254,7 +2254,7 @@
           <a:p>
             <a:fld id="{F0B2E04E-690E-46A2-9779-B9EEF6189BC4}" type="datetimeFigureOut">
               <a:rPr lang="cs-CZ" smtClean="0"/>
-              <a:t>6.8.2011</a:t>
+              <a:t>7.8.2011</a:t>
             </a:fld>
             <a:endParaRPr lang="cs-CZ"/>
           </a:p>
@@ -2507,7 +2507,7 @@
           <a:p>
             <a:fld id="{F0B2E04E-690E-46A2-9779-B9EEF6189BC4}" type="datetimeFigureOut">
               <a:rPr lang="cs-CZ" smtClean="0"/>
-              <a:t>6.8.2011</a:t>
+              <a:t>7.8.2011</a:t>
             </a:fld>
             <a:endParaRPr lang="cs-CZ"/>
           </a:p>
@@ -2720,7 +2720,7 @@
           <a:p>
             <a:fld id="{F0B2E04E-690E-46A2-9779-B9EEF6189BC4}" type="datetimeFigureOut">
               <a:rPr lang="cs-CZ" smtClean="0"/>
-              <a:t>6.8.2011</a:t>
+              <a:t>7.8.2011</a:t>
             </a:fld>
             <a:endParaRPr lang="cs-CZ"/>
           </a:p>
@@ -3304,22 +3304,11 @@
           <a:bodyPr lIns="72000" tIns="0" rIns="72000" bIns="0" rtlCol="0" anchor="t" anchorCtr="0"/>
           <a:lstStyle/>
           <a:p>
-            <a:r>
-              <a:rPr lang="cs-CZ" sz="1400" dirty="0" err="1" smtClean="0">
-                <a:solidFill>
-                  <a:srgbClr val="CCA822"/>
-                </a:solidFill>
-              </a:rPr>
-              <a:t>Application</a:t>
-            </a:r>
-            <a:r>
-              <a:rPr lang="cs-CZ" sz="1400" dirty="0" smtClean="0">
-                <a:solidFill>
-                  <a:srgbClr val="CCA822"/>
-                </a:solidFill>
-              </a:rPr>
-              <a:t>  </a:t>
-            </a:r>
+            <a:endParaRPr lang="cs-CZ" sz="1400" dirty="0" smtClean="0">
+              <a:solidFill>
+                <a:srgbClr val="CCA822"/>
+              </a:solidFill>
+            </a:endParaRPr>
           </a:p>
           <a:p>
             <a:endParaRPr lang="cs-CZ" sz="1400" dirty="0">
@@ -3513,16 +3502,6 @@
           <a:lstStyle/>
           <a:p>
             <a:pPr algn="r"/>
-            <a:r>
-              <a:rPr lang="cs-CZ" sz="1400" dirty="0" err="1">
-                <a:solidFill>
-                  <a:schemeClr val="bg1">
-                    <a:lumMod val="50000"/>
-                  </a:schemeClr>
-                </a:solidFill>
-              </a:rPr>
-              <a:t>FishEar</a:t>
-            </a:r>
             <a:endParaRPr lang="cs-CZ" sz="1400" dirty="0">
               <a:solidFill>
                 <a:schemeClr val="bg1">
@@ -6050,7 +6029,7 @@
         <p:spPr>
           <a:xfrm>
             <a:off x="4851916" y="2878774"/>
-            <a:ext cx="501828" cy="1577006"/>
+            <a:ext cx="385048" cy="1577006"/>
           </a:xfrm>
           <a:prstGeom prst="roundRect">
             <a:avLst/>
@@ -6083,7 +6062,7 @@
           </a:fontRef>
         </p:style>
         <p:txBody>
-          <a:bodyPr lIns="0" tIns="0" rIns="0" bIns="0" rtlCol="0" anchor="ctr"/>
+          <a:bodyPr vert="vert270" lIns="0" tIns="0" rIns="0" bIns="0" rtlCol="0" anchor="ctr"/>
           <a:lstStyle/>
           <a:p>
             <a:pPr algn="ctr">
@@ -6092,7 +6071,7 @@
               </a:lnSpc>
             </a:pPr>
             <a:r>
-              <a:rPr lang="cs-CZ" sz="1100" dirty="0" smtClean="0">
+              <a:rPr lang="cs-CZ" sz="1100" b="1" dirty="0" smtClean="0">
                 <a:solidFill>
                   <a:schemeClr val="tx1">
                     <a:lumMod val="85000"/>
@@ -6103,7 +6082,7 @@
               <a:t>Entity</a:t>
             </a:r>
             <a:br>
-              <a:rPr lang="cs-CZ" sz="1100" dirty="0" smtClean="0">
+              <a:rPr lang="cs-CZ" sz="1100" b="1" dirty="0" smtClean="0">
                 <a:solidFill>
                   <a:schemeClr val="tx1">
                     <a:lumMod val="85000"/>
@@ -6113,38 +6092,17 @@
               </a:rPr>
             </a:br>
             <a:r>
-              <a:rPr lang="cs-CZ" sz="1100" dirty="0" smtClean="0">
-                <a:solidFill>
-                  <a:schemeClr val="tx1">
-                    <a:lumMod val="85000"/>
-                    <a:lumOff val="15000"/>
-                  </a:schemeClr>
-                </a:solidFill>
-              </a:rPr>
-              <a:t>Inter</a:t>
-            </a:r>
-            <a:br>
-              <a:rPr lang="cs-CZ" sz="1100" dirty="0" smtClean="0">
-                <a:solidFill>
-                  <a:schemeClr val="tx1">
-                    <a:lumMod val="85000"/>
-                    <a:lumOff val="15000"/>
-                  </a:schemeClr>
-                </a:solidFill>
-              </a:rPr>
-            </a:br>
-            <a:r>
-              <a:rPr lang="cs-CZ" sz="1100" dirty="0" smtClean="0">
-                <a:solidFill>
-                  <a:schemeClr val="tx1">
-                    <a:lumMod val="85000"/>
-                    <a:lumOff val="15000"/>
-                  </a:schemeClr>
-                </a:solidFill>
-              </a:rPr>
-              <a:t>face</a:t>
-            </a:r>
-            <a:endParaRPr lang="cs-CZ" sz="1100" dirty="0">
+              <a:rPr lang="cs-CZ" sz="1100" b="1" dirty="0" smtClean="0">
+                <a:solidFill>
+                  <a:schemeClr val="tx1">
+                    <a:lumMod val="85000"/>
+                    <a:lumOff val="15000"/>
+                  </a:schemeClr>
+                </a:solidFill>
+              </a:rPr>
+              <a:t>Interface</a:t>
+            </a:r>
+            <a:endParaRPr lang="cs-CZ" sz="1100" b="1" dirty="0">
               <a:solidFill>
                 <a:schemeClr val="tx1">
                   <a:lumMod val="85000"/>
@@ -6538,8 +6496,8 @@
         </p:nvCxnSpPr>
         <p:spPr>
           <a:xfrm flipH="1">
-            <a:off x="5353744" y="3118671"/>
-            <a:ext cx="268796" cy="0"/>
+            <a:off x="5236964" y="3118671"/>
+            <a:ext cx="385576" cy="0"/>
           </a:xfrm>
           <a:prstGeom prst="straightConnector1">
             <a:avLst/>
@@ -6730,7 +6688,7 @@
         </p:nvSpPr>
         <p:spPr>
           <a:xfrm>
-            <a:off x="4993154" y="4449414"/>
+            <a:off x="4964420" y="4449414"/>
             <a:ext cx="219352" cy="779786"/>
           </a:xfrm>
           <a:prstGeom prst="upDownArrow">
@@ -6791,8 +6749,8 @@
         </p:nvSpPr>
         <p:spPr>
           <a:xfrm>
-            <a:off x="5470140" y="4717725"/>
-            <a:ext cx="2124545" cy="115416"/>
+            <a:off x="5353553" y="4717725"/>
+            <a:ext cx="1673986" cy="115416"/>
           </a:xfrm>
           <a:prstGeom prst="rect">
             <a:avLst/>
@@ -6841,7 +6799,7 @@
                   </a:schemeClr>
                 </a:solidFill>
               </a:rPr>
-              <a:t>Iwhat</a:t>
+              <a:t>what</a:t>
             </a:r>
             <a:r>
               <a:rPr lang="cs-CZ" sz="1200" dirty="0" smtClean="0">
@@ -7217,6 +7175,127 @@
                 </a:schemeClr>
               </a:solidFill>
             </a:endParaRPr>
+          </a:p>
+        </p:txBody>
+      </p:sp>
+      <p:cxnSp>
+        <p:nvCxnSpPr>
+          <p:cNvPr id="8" name="Pravoúhlá spojnice 7"/>
+          <p:cNvCxnSpPr/>
+          <p:nvPr/>
+        </p:nvCxnSpPr>
+        <p:spPr>
+          <a:xfrm rot="16200000" flipH="1">
+            <a:off x="4712424" y="4471484"/>
+            <a:ext cx="1282256" cy="233176"/>
+          </a:xfrm>
+          <a:prstGeom prst="bentConnector3">
+            <a:avLst>
+              <a:gd name="adj1" fmla="val -513"/>
+            </a:avLst>
+          </a:prstGeom>
+          <a:ln w="38100">
+            <a:solidFill>
+              <a:srgbClr val="00B050">
+                <a:alpha val="50000"/>
+              </a:srgbClr>
+            </a:solidFill>
+            <a:tailEnd type="arrow"/>
+          </a:ln>
+        </p:spPr>
+        <p:style>
+          <a:lnRef idx="1">
+            <a:schemeClr val="accent1"/>
+          </a:lnRef>
+          <a:fillRef idx="0">
+            <a:schemeClr val="accent1"/>
+          </a:fillRef>
+          <a:effectRef idx="0">
+            <a:schemeClr val="accent1"/>
+          </a:effectRef>
+          <a:fontRef idx="minor">
+            <a:schemeClr val="tx1"/>
+          </a:fontRef>
+        </p:style>
+      </p:cxnSp>
+      <p:sp>
+        <p:nvSpPr>
+          <p:cNvPr id="12" name="TextovéPole 11"/>
+          <p:cNvSpPr txBox="1"/>
+          <p:nvPr/>
+        </p:nvSpPr>
+        <p:spPr>
+          <a:xfrm>
+            <a:off x="766229" y="4976092"/>
+            <a:ext cx="1213005" cy="246221"/>
+          </a:xfrm>
+          <a:prstGeom prst="rect">
+            <a:avLst/>
+          </a:prstGeom>
+          <a:noFill/>
+        </p:spPr>
+        <p:txBody>
+          <a:bodyPr wrap="square" lIns="0" tIns="0" rIns="0" bIns="0" rtlCol="0">
+            <a:spAutoFit/>
+          </a:bodyPr>
+          <a:lstStyle/>
+          <a:p>
+            <a:r>
+              <a:rPr lang="cs-CZ" sz="1600" b="1" u="sng" dirty="0" err="1">
+                <a:solidFill>
+                  <a:srgbClr val="CCA822"/>
+                </a:solidFill>
+              </a:rPr>
+              <a:t>Application</a:t>
+            </a:r>
+            <a:endParaRPr lang="cs-CZ" sz="1600" b="1" u="sng" dirty="0"/>
+          </a:p>
+        </p:txBody>
+      </p:sp>
+      <p:sp>
+        <p:nvSpPr>
+          <p:cNvPr id="18" name="TextovéPole 17"/>
+          <p:cNvSpPr txBox="1"/>
+          <p:nvPr/>
+        </p:nvSpPr>
+        <p:spPr>
+          <a:xfrm>
+            <a:off x="5785792" y="1916833"/>
+            <a:ext cx="1183901" cy="292388"/>
+          </a:xfrm>
+          <a:prstGeom prst="rect">
+            <a:avLst/>
+          </a:prstGeom>
+          <a:noFill/>
+        </p:spPr>
+        <p:txBody>
+          <a:bodyPr wrap="square" lIns="0" tIns="0" rIns="0" rtlCol="0">
+            <a:spAutoFit/>
+          </a:bodyPr>
+          <a:lstStyle/>
+          <a:p>
+            <a:pPr algn="r"/>
+            <a:r>
+              <a:rPr lang="cs-CZ" sz="1600" b="1" u="sng" dirty="0" err="1" smtClean="0">
+                <a:solidFill>
+                  <a:schemeClr val="bg1">
+                    <a:lumMod val="50000"/>
+                  </a:schemeClr>
+                </a:solidFill>
+              </a:rPr>
+              <a:t>FishEar</a:t>
+            </a:r>
+            <a:r>
+              <a:rPr lang="cs-CZ" sz="1600" b="1" u="sng" dirty="0" smtClean="0">
+                <a:solidFill>
+                  <a:schemeClr val="bg1">
+                    <a:lumMod val="50000"/>
+                  </a:schemeClr>
+                </a:solidFill>
+              </a:rPr>
+              <a:t> Data </a:t>
+            </a:r>
+            <a:endParaRPr lang="cs-CZ" sz="1600" b="1" u="sng" dirty="0"/>
           </a:p>
         </p:txBody>
       </p:sp>
